--- a/Live Talks/User Group Talks/The Top 10 Worst PowerShell Script Mistakes/Slides.pptx
+++ b/Live Talks/User Group Talks/The Top 10 Worst PowerShell Script Mistakes/Slides.pptx
@@ -1,6 +1,6 @@
 
 <file path=ppt/presentation.xml><?xml version="1.0" encoding="utf-8"?>
-<p:presentation xmlns:a="http://schemas.openxmlformats.org/drawingml/2006/main" xmlns:r="http://schemas.openxmlformats.org/officeDocument/2006/relationships" xmlns:p="http://schemas.openxmlformats.org/presentationml/2006/main" autoCompressPictures="0">
+<p:presentation xmlns:a="http://schemas.openxmlformats.org/drawingml/2006/main" xmlns:r="http://schemas.openxmlformats.org/officeDocument/2006/relationships" xmlns:p="http://schemas.openxmlformats.org/presentationml/2006/main" saveSubsetFonts="1" autoCompressPictures="0">
   <p:sldMasterIdLst>
     <p:sldMasterId id="2147483648" r:id="rId1"/>
   </p:sldMasterIdLst>
@@ -210,7 +210,7 @@
           <a:p>
             <a:fld id="{450E8379-C883-4E65-87A8-CE0422722DB5}" type="datetimeFigureOut">
               <a:rPr lang="en-US" smtClean="0"/>
-              <a:t>8/20/2015</a:t>
+              <a:t>11/28/15</a:t>
             </a:fld>
             <a:endParaRPr lang="en-US"/>
           </a:p>
@@ -1125,7 +1125,7 @@
             <a:fld id="{1E700B27-DE4C-4B9E-BB11-B9027034A00F}" type="datetimeFigureOut">
               <a:rPr lang="en-US" dirty="0"/>
               <a:pPr/>
-              <a:t>8/20/2015</a:t>
+              <a:t>11/28/15</a:t>
             </a:fld>
             <a:endParaRPr lang="en-US" dirty="0"/>
           </a:p>
@@ -2245,7 +2245,7 @@
           <a:p>
             <a:fld id="{C40F4739-9812-4A9F-890D-2AD6BA5F6EE8}" type="datetimeFigureOut">
               <a:rPr lang="en-US" dirty="0"/>
-              <a:t>8/20/2015</a:t>
+              <a:t>11/28/15</a:t>
             </a:fld>
             <a:endParaRPr lang="en-US" dirty="0"/>
           </a:p>
@@ -3256,7 +3256,7 @@
           <a:p>
             <a:fld id="{18845AC5-A3F8-44AA-BA8F-596CDCC976D3}" type="datetimeFigureOut">
               <a:rPr lang="en-US" dirty="0"/>
-              <a:t>8/20/2015</a:t>
+              <a:t>11/28/15</a:t>
             </a:fld>
             <a:endParaRPr lang="en-US" dirty="0"/>
           </a:p>
@@ -4426,7 +4426,7 @@
           <a:p>
             <a:fld id="{C873B183-A821-4095-A363-9EC968635539}" type="datetimeFigureOut">
               <a:rPr lang="en-US" dirty="0"/>
-              <a:t>8/20/2015</a:t>
+              <a:t>11/28/15</a:t>
             </a:fld>
             <a:endParaRPr lang="en-US" dirty="0"/>
           </a:p>
@@ -5487,7 +5487,7 @@
           <a:p>
             <a:fld id="{174D01B4-0AA5-45E6-B2E6-5FA4078AEBCF}" type="datetimeFigureOut">
               <a:rPr lang="en-US" dirty="0"/>
-              <a:t>8/20/2015</a:t>
+              <a:t>11/28/15</a:t>
             </a:fld>
             <a:endParaRPr lang="en-US" dirty="0"/>
           </a:p>
@@ -6133,7 +6133,7 @@
           <a:p>
             <a:fld id="{4147335C-0450-40D7-8612-B3203BED4F28}" type="datetimeFigureOut">
               <a:rPr lang="en-US" dirty="0"/>
-              <a:t>8/20/2015</a:t>
+              <a:t>11/28/15</a:t>
             </a:fld>
             <a:endParaRPr lang="en-US" dirty="0"/>
           </a:p>
@@ -6980,7 +6980,7 @@
           <a:p>
             <a:fld id="{D246A105-2A1C-4284-B4EA-07CF89B1A393}" type="datetimeFigureOut">
               <a:rPr lang="en-US" dirty="0"/>
-              <a:t>8/20/2015</a:t>
+              <a:t>11/28/15</a:t>
             </a:fld>
             <a:endParaRPr lang="en-US" dirty="0"/>
           </a:p>
@@ -7155,7 +7155,7 @@
           <a:p>
             <a:fld id="{80DBE609-F3F2-45E6-BD6A-E03A8C86C1AE}" type="datetimeFigureOut">
               <a:rPr lang="en-US" dirty="0"/>
-              <a:t>8/20/2015</a:t>
+              <a:t>11/28/15</a:t>
             </a:fld>
             <a:endParaRPr lang="en-US" dirty="0"/>
           </a:p>
@@ -8153,7 +8153,7 @@
           <a:p>
             <a:fld id="{7A24AD68-089C-4467-A8F3-EA2BBCA6B44E}" type="datetimeFigureOut">
               <a:rPr lang="en-US" dirty="0"/>
-              <a:t>8/20/2015</a:t>
+              <a:t>11/28/15</a:t>
             </a:fld>
             <a:endParaRPr lang="en-US" dirty="0"/>
           </a:p>
@@ -8359,7 +8359,7 @@
           <a:p>
             <a:fld id="{75C51FCE-E4BB-4680-8E50-3C0E348D2609}" type="datetimeFigureOut">
               <a:rPr lang="en-US" dirty="0"/>
-              <a:t>8/20/2015</a:t>
+              <a:t>11/28/15</a:t>
             </a:fld>
             <a:endParaRPr lang="en-US" dirty="0"/>
           </a:p>
@@ -9421,7 +9421,7 @@
           <a:p>
             <a:fld id="{8AAA073D-A903-47F8-8D16-77642FB0DF1F}" type="datetimeFigureOut">
               <a:rPr lang="en-US" dirty="0"/>
-              <a:t>8/20/2015</a:t>
+              <a:t>11/28/15</a:t>
             </a:fld>
             <a:endParaRPr lang="en-US" dirty="0"/>
           </a:p>
@@ -9693,7 +9693,7 @@
           <a:p>
             <a:fld id="{AB91FA40-626B-4CA1-85D0-7A9016E395BA}" type="datetimeFigureOut">
               <a:rPr lang="en-US" dirty="0"/>
-              <a:t>8/20/2015</a:t>
+              <a:t>11/28/15</a:t>
             </a:fld>
             <a:endParaRPr lang="en-US" dirty="0"/>
           </a:p>
@@ -10075,7 +10075,7 @@
           <a:p>
             <a:fld id="{C3F425EA-B9DC-48A7-991E-9A82573B1B21}" type="datetimeFigureOut">
               <a:rPr lang="en-US" dirty="0"/>
-              <a:t>8/20/2015</a:t>
+              <a:t>11/28/15</a:t>
             </a:fld>
             <a:endParaRPr lang="en-US" dirty="0"/>
           </a:p>
@@ -10193,7 +10193,7 @@
           <a:p>
             <a:fld id="{66CB97F8-6CEB-469B-AFCC-889F2A2B1D5A}" type="datetimeFigureOut">
               <a:rPr lang="en-US" dirty="0"/>
-              <a:t>8/20/2015</a:t>
+              <a:t>11/28/15</a:t>
             </a:fld>
             <a:endParaRPr lang="en-US" dirty="0"/>
           </a:p>
@@ -10288,7 +10288,7 @@
           <a:p>
             <a:fld id="{8FA9179F-009E-4FA5-B091-7EBB82A185BD}" type="datetimeFigureOut">
               <a:rPr lang="en-US" dirty="0"/>
-              <a:t>8/20/2015</a:t>
+              <a:t>11/28/15</a:t>
             </a:fld>
             <a:endParaRPr lang="en-US" dirty="0"/>
           </a:p>
@@ -11397,7 +11397,7 @@
           <a:p>
             <a:fld id="{8E665CEB-0076-4E37-B880-BCEA9784DE0A}" type="datetimeFigureOut">
               <a:rPr lang="en-US" dirty="0"/>
-              <a:t>8/20/2015</a:t>
+              <a:t>11/28/15</a:t>
             </a:fld>
             <a:endParaRPr lang="en-US" dirty="0"/>
           </a:p>
@@ -12530,7 +12530,7 @@
           <a:p>
             <a:fld id="{A6149E5E-3896-4118-99A7-7B85668F1C5E}" type="datetimeFigureOut">
               <a:rPr lang="en-US" dirty="0"/>
-              <a:t>8/20/2015</a:t>
+              <a:t>11/28/15</a:t>
             </a:fld>
             <a:endParaRPr lang="en-US" dirty="0"/>
           </a:p>
@@ -13558,7 +13558,7 @@
           <a:p>
             <a:fld id="{7E0D914D-B099-4142-A885-11F276715148}" type="datetimeFigureOut">
               <a:rPr lang="en-US" dirty="0"/>
-              <a:t>8/20/2015</a:t>
+              <a:t>11/28/15</a:t>
             </a:fld>
             <a:endParaRPr lang="en-US" dirty="0"/>
           </a:p>
@@ -16374,12 +16374,14 @@
         </p:nvSpPr>
         <p:spPr>
           <a:xfrm>
-            <a:off x="5535659" y="2867842"/>
-            <a:ext cx="4660232" cy="2562058"/>
+            <a:off x="5535658" y="2867842"/>
+            <a:ext cx="6008641" cy="2562058"/>
           </a:xfrm>
         </p:spPr>
         <p:txBody>
-          <a:bodyPr/>
+          <a:bodyPr>
+            <a:normAutofit/>
+          </a:bodyPr>
           <a:lstStyle/>
           <a:p>
             <a:r>
@@ -16400,8 +16402,29 @@
             </a:r>
             <a:r>
               <a:rPr lang="en-US" dirty="0" smtClean="0"/>
-              <a:t> Author</a:t>
+              <a:t> </a:t>
             </a:r>
+            <a:r>
+              <a:rPr lang="en-US" dirty="0"/>
+              <a:t>Author (http://</a:t>
+            </a:r>
+            <a:r>
+              <a:rPr lang="en-US" dirty="0" err="1" smtClean="0"/>
+              <a:t>bit.ly</a:t>
+            </a:r>
+            <a:r>
+              <a:rPr lang="en-US" dirty="0" smtClean="0"/>
+              <a:t>/</a:t>
+            </a:r>
+            <a:r>
+              <a:rPr lang="en-US" dirty="0" err="1" smtClean="0"/>
+              <a:t>adambpluralsight</a:t>
+            </a:r>
+            <a:r>
+              <a:rPr lang="en-US" dirty="0" smtClean="0"/>
+              <a:t>)</a:t>
+            </a:r>
+            <a:endParaRPr lang="en-US" dirty="0" smtClean="0"/>
           </a:p>
           <a:p>
             <a:r>
